--- a/Economics2/0509Lecture.pptx
+++ b/Economics2/0509Lecture.pptx
@@ -20467,6 +20467,9 @@
                       <m:fPr>
                         <m:ctrlPr>
                           <a:rPr lang="en-US" altLang="ja-JP" i="1" smtClean="0">
+                            <a:solidFill>
+                              <a:srgbClr val="FF0000"/>
+                            </a:solidFill>
                             <a:latin typeface="Cambria Math" panose="02040503050406030204" pitchFamily="18" charset="0"/>
                           </a:rPr>
                         </m:ctrlPr>
@@ -20474,6 +20477,9 @@
                       <m:num>
                         <m:r>
                           <a:rPr lang="en-US" altLang="ja-JP" b="0" i="1" smtClean="0">
+                            <a:solidFill>
+                              <a:srgbClr val="FF0000"/>
+                            </a:solidFill>
                             <a:latin typeface="Cambria Math"/>
                           </a:rPr>
                           <m:t>𝑀</m:t>
@@ -20482,6 +20488,9 @@
                           <m:sSubPr>
                             <m:ctrlPr>
                               <a:rPr lang="en-US" altLang="ja-JP" b="0" i="1" smtClean="0">
+                                <a:solidFill>
+                                  <a:srgbClr val="FF0000"/>
+                                </a:solidFill>
                                 <a:latin typeface="Cambria Math" panose="02040503050406030204" pitchFamily="18" charset="0"/>
                               </a:rPr>
                             </m:ctrlPr>
@@ -20489,6 +20498,9 @@
                           <m:e>
                             <m:r>
                               <a:rPr lang="en-US" altLang="ja-JP" b="0" i="1" smtClean="0">
+                                <a:solidFill>
+                                  <a:srgbClr val="FF0000"/>
+                                </a:solidFill>
                                 <a:latin typeface="Cambria Math"/>
                               </a:rPr>
                               <m:t>𝑈</m:t>
@@ -20497,6 +20509,9 @@
                           <m:sub>
                             <m:r>
                               <a:rPr lang="en-US" altLang="ja-JP" b="0" i="1" smtClean="0">
+                                <a:solidFill>
+                                  <a:srgbClr val="FF0000"/>
+                                </a:solidFill>
                                 <a:latin typeface="Cambria Math"/>
                               </a:rPr>
                               <m:t>𝑥</m:t>
@@ -20507,6 +20522,9 @@
                       <m:den>
                         <m:r>
                           <a:rPr lang="en-US" altLang="ja-JP" i="1">
+                            <a:solidFill>
+                              <a:srgbClr val="FF0000"/>
+                            </a:solidFill>
                             <a:latin typeface="Cambria Math"/>
                           </a:rPr>
                           <m:t>𝑀</m:t>
@@ -20515,6 +20533,9 @@
                           <m:sSubPr>
                             <m:ctrlPr>
                               <a:rPr lang="en-US" altLang="ja-JP" i="1">
+                                <a:solidFill>
+                                  <a:srgbClr val="FF0000"/>
+                                </a:solidFill>
                                 <a:latin typeface="Cambria Math" panose="02040503050406030204" pitchFamily="18" charset="0"/>
                               </a:rPr>
                             </m:ctrlPr>
@@ -20522,6 +20543,9 @@
                           <m:e>
                             <m:r>
                               <a:rPr lang="en-US" altLang="ja-JP" i="1">
+                                <a:solidFill>
+                                  <a:srgbClr val="FF0000"/>
+                                </a:solidFill>
                                 <a:latin typeface="Cambria Math"/>
                               </a:rPr>
                               <m:t>𝑈</m:t>
@@ -20530,6 +20554,9 @@
                           <m:sub>
                             <m:r>
                               <a:rPr lang="en-US" altLang="ja-JP" b="0" i="1" smtClean="0">
+                                <a:solidFill>
+                                  <a:srgbClr val="FF0000"/>
+                                </a:solidFill>
                                 <a:latin typeface="Cambria Math"/>
                               </a:rPr>
                               <m:t>𝑦</m:t>
@@ -20540,6 +20567,9 @@
                     </m:f>
                     <m:r>
                       <a:rPr lang="en-US" altLang="ja-JP" b="0" i="1" smtClean="0">
+                        <a:solidFill>
+                          <a:srgbClr val="FF0000"/>
+                        </a:solidFill>
                         <a:latin typeface="Cambria Math"/>
                       </a:rPr>
                       <m:t>=</m:t>
@@ -20548,6 +20578,9 @@
                       <m:fPr>
                         <m:ctrlPr>
                           <a:rPr lang="en-US" altLang="ja-JP" b="0" i="1" smtClean="0">
+                            <a:solidFill>
+                              <a:srgbClr val="FF0000"/>
+                            </a:solidFill>
                             <a:latin typeface="Cambria Math" panose="02040503050406030204" pitchFamily="18" charset="0"/>
                           </a:rPr>
                         </m:ctrlPr>
@@ -20555,6 +20588,9 @@
                       <m:num>
                         <m:r>
                           <a:rPr lang="en-US" altLang="ja-JP" b="0" i="1" smtClean="0">
+                            <a:solidFill>
+                              <a:srgbClr val="FF0000"/>
+                            </a:solidFill>
                             <a:latin typeface="Cambria Math"/>
                           </a:rPr>
                           <m:t>𝑝</m:t>
@@ -20563,6 +20599,9 @@
                       <m:den>
                         <m:r>
                           <a:rPr lang="en-US" altLang="ja-JP" b="0" i="1" smtClean="0">
+                            <a:solidFill>
+                              <a:srgbClr val="FF0000"/>
+                            </a:solidFill>
                             <a:latin typeface="Cambria Math"/>
                           </a:rPr>
                           <m:t>𝑞</m:t>
@@ -20573,11 +20612,18 @@
                 </a14:m>
                 <a:r>
                   <a:rPr lang="en-US" altLang="ja-JP" dirty="0">
+                    <a:solidFill>
+                      <a:srgbClr val="FF0000"/>
+                    </a:solidFill>
                     <a:latin typeface="Times New Roman" panose="02020603050405020304" pitchFamily="18" charset="0"/>
                     <a:cs typeface="Times New Roman" panose="02020603050405020304" pitchFamily="18" charset="0"/>
                   </a:rPr>
                   <a:t> </a:t>
                 </a:r>
+                <a:endParaRPr lang="en-US" altLang="ja-JP" dirty="0">
+                  <a:latin typeface="Times New Roman" panose="02020603050405020304" pitchFamily="18" charset="0"/>
+                  <a:cs typeface="Times New Roman" panose="02020603050405020304" pitchFamily="18" charset="0"/>
+                </a:endParaRPr>
               </a:p>
               <a:p>
                 <a:pPr lvl="1"/>
@@ -20688,6 +20734,9 @@
                 </a:r>
                 <a:r>
                   <a:rPr lang="en-US" altLang="ja-JP" dirty="0">
+                    <a:solidFill>
+                      <a:srgbClr val="FF0000"/>
+                    </a:solidFill>
                     <a:latin typeface="Times New Roman" panose="02020603050405020304" pitchFamily="18" charset="0"/>
                     <a:cs typeface="Times New Roman" panose="02020603050405020304" pitchFamily="18" charset="0"/>
                   </a:rPr>
@@ -20695,12 +20744,18 @@
                 </a:r>
                 <a:r>
                   <a:rPr lang="ja-JP" altLang="en-US" dirty="0">
+                    <a:solidFill>
+                      <a:srgbClr val="FF0000"/>
+                    </a:solidFill>
                     <a:latin typeface="Times New Roman" panose="02020603050405020304" pitchFamily="18" charset="0"/>
                     <a:cs typeface="Times New Roman" panose="02020603050405020304" pitchFamily="18" charset="0"/>
                   </a:rPr>
                   <a:t>円で買える財の量</a:t>
                 </a:r>
                 <a:endParaRPr lang="en-US" altLang="ja-JP" dirty="0">
+                  <a:solidFill>
+                    <a:srgbClr val="FF0000"/>
+                  </a:solidFill>
                   <a:latin typeface="Times New Roman" panose="02020603050405020304" pitchFamily="18" charset="0"/>
                   <a:cs typeface="Times New Roman" panose="02020603050405020304" pitchFamily="18" charset="0"/>
                 </a:endParaRPr>
@@ -20728,14 +20783,7 @@
                     <a:latin typeface="Times New Roman" panose="02020603050405020304" pitchFamily="18" charset="0"/>
                     <a:cs typeface="Times New Roman" panose="02020603050405020304" pitchFamily="18" charset="0"/>
                   </a:rPr>
-                  <a:t>の量→金銭に換算</a:t>
-                </a:r>
-                <a:r>
-                  <a:rPr lang="ja-JP" altLang="en-US">
-                    <a:latin typeface="Times New Roman" panose="02020603050405020304" pitchFamily="18" charset="0"/>
-                    <a:cs typeface="Times New Roman" panose="02020603050405020304" pitchFamily="18" charset="0"/>
-                  </a:rPr>
-                  <a:t>した量</a:t>
+                  <a:t>の量→金銭に換算した量</a:t>
                 </a:r>
                 <a:endParaRPr lang="en-US" altLang="ja-JP" dirty="0">
                   <a:latin typeface="Times New Roman" panose="02020603050405020304" pitchFamily="18" charset="0"/>
@@ -21136,8 +21184,8 @@
           </a:p>
         </p:txBody>
       </p:sp>
-      <mc:AlternateContent xmlns:mc="http://schemas.openxmlformats.org/markup-compatibility/2006" xmlns:a14="http://schemas.microsoft.com/office/drawing/2010/main">
-        <mc:Choice Requires="a14">
+      <mc:AlternateContent xmlns:mc="http://schemas.openxmlformats.org/markup-compatibility/2006">
+        <mc:Choice xmlns:a14="http://schemas.microsoft.com/office/drawing/2010/main" Requires="a14">
           <p:sp>
             <p:nvSpPr>
               <p:cNvPr id="3" name="コンテンツ プレースホルダー 2"/>
@@ -21978,9 +22026,22 @@
                     <a:latin typeface="Times New Roman" pitchFamily="18" charset="0"/>
                     <a:cs typeface="Times New Roman" pitchFamily="18" charset="0"/>
                   </a:rPr>
-                  <a:t>財の限界代替率</a:t>
+                  <a:t>財の</a:t>
+                </a:r>
+                <a:r>
+                  <a:rPr lang="ja-JP" altLang="en-US" dirty="0">
+                    <a:solidFill>
+                      <a:srgbClr val="FF0000"/>
+                    </a:solidFill>
+                    <a:latin typeface="Times New Roman" pitchFamily="18" charset="0"/>
+                    <a:cs typeface="Times New Roman" pitchFamily="18" charset="0"/>
+                  </a:rPr>
+                  <a:t>限界代替率</a:t>
                 </a:r>
                 <a:endParaRPr lang="en-US" altLang="ja-JP" dirty="0">
+                  <a:solidFill>
+                    <a:srgbClr val="FF0000"/>
+                  </a:solidFill>
                   <a:latin typeface="Times New Roman" pitchFamily="18" charset="0"/>
                   <a:cs typeface="Times New Roman" pitchFamily="18" charset="0"/>
                 </a:endParaRPr>
@@ -22060,7 +22121,7 @@
             </p:txBody>
           </p:sp>
         </mc:Choice>
-        <mc:Fallback xmlns="">
+        <mc:Fallback>
           <p:sp>
             <p:nvSpPr>
               <p:cNvPr id="3" name="コンテンツ プレースホルダー 2"/>
@@ -22072,10 +22133,10 @@
               </p:nvPr>
             </p:nvSpPr>
             <p:spPr>
-              <a:blipFill rotWithShape="1">
+              <a:blipFill>
                 <a:blip r:embed="rId2"/>
                 <a:stretch>
-                  <a:fillRect l="-1333" t="-3235" r="-370" b="-1482"/>
+                  <a:fillRect l="-1543" t="-3361" r="-617" b="-1401"/>
                 </a:stretch>
               </a:blipFill>
             </p:spPr>
@@ -22084,7 +22145,7 @@
               <a:lstStyle/>
               <a:p>
                 <a:r>
-                  <a:rPr lang="ja-JP" altLang="en-US">
+                  <a:rPr lang="en-US">
                     <a:noFill/>
                   </a:rPr>
                   <a:t> </a:t>

--- a/Economics2/0509Lecture.pptx
+++ b/Economics2/0509Lecture.pptx
@@ -4483,41 +4483,41 @@
               <a:buNone/>
             </a:pPr>
             <a:r>
-              <a:rPr lang="ja-JP" altLang="en-US" sz="2800"/>
+              <a:rPr lang="ja-JP" altLang="en-US" sz="2800" dirty="0"/>
               <a:t>等しい効用をもたらす </a:t>
             </a:r>
             <a:r>
-              <a:rPr lang="en-US" altLang="ja-JP" sz="2800">
+              <a:rPr lang="en-US" altLang="ja-JP" sz="2800" dirty="0">
                 <a:latin typeface="Times New Roman" pitchFamily="18" charset="0"/>
               </a:rPr>
               <a:t>(</a:t>
             </a:r>
             <a:r>
-              <a:rPr lang="en-US" altLang="ja-JP" sz="2800" i="1">
+              <a:rPr lang="en-US" altLang="ja-JP" sz="2800" i="1" dirty="0" err="1">
                 <a:latin typeface="Times New Roman" pitchFamily="18" charset="0"/>
               </a:rPr>
               <a:t>x</a:t>
             </a:r>
             <a:r>
-              <a:rPr lang="en-US" altLang="ja-JP" sz="2800">
+              <a:rPr lang="en-US" altLang="ja-JP" sz="2800" dirty="0" err="1">
                 <a:latin typeface="Times New Roman" pitchFamily="18" charset="0"/>
               </a:rPr>
               <a:t>,</a:t>
             </a:r>
             <a:r>
-              <a:rPr lang="en-US" altLang="ja-JP" sz="2800" i="1">
+              <a:rPr lang="en-US" altLang="ja-JP" sz="2800" i="1" dirty="0" err="1">
                 <a:latin typeface="Times New Roman" pitchFamily="18" charset="0"/>
               </a:rPr>
               <a:t>y</a:t>
             </a:r>
             <a:r>
-              <a:rPr lang="en-US" altLang="ja-JP" sz="2800">
+              <a:rPr lang="en-US" altLang="ja-JP" sz="2800" dirty="0">
                 <a:latin typeface="Times New Roman" pitchFamily="18" charset="0"/>
               </a:rPr>
               <a:t>) </a:t>
             </a:r>
             <a:r>
-              <a:rPr lang="ja-JP" altLang="en-US" sz="2800"/>
+              <a:rPr lang="ja-JP" altLang="en-US" sz="2800" dirty="0"/>
               <a:t>の集り</a:t>
             </a:r>
           </a:p>
@@ -4528,93 +4528,93 @@
               </a:lnSpc>
             </a:pPr>
             <a:r>
-              <a:rPr lang="en-US" altLang="ja-JP" sz="2400" i="1">
+              <a:rPr lang="en-US" altLang="ja-JP" sz="2400" i="1" dirty="0">
                 <a:latin typeface="Times New Roman" pitchFamily="18" charset="0"/>
               </a:rPr>
               <a:t>U</a:t>
             </a:r>
             <a:r>
-              <a:rPr lang="en-US" altLang="ja-JP" sz="2400">
+              <a:rPr lang="en-US" altLang="ja-JP" sz="2400" dirty="0">
                 <a:latin typeface="Times New Roman" pitchFamily="18" charset="0"/>
               </a:rPr>
               <a:t>(</a:t>
             </a:r>
             <a:r>
-              <a:rPr lang="en-US" altLang="ja-JP" sz="2400" i="1">
+              <a:rPr lang="en-US" altLang="ja-JP" sz="2400" i="1" dirty="0" err="1">
                 <a:latin typeface="Times New Roman" pitchFamily="18" charset="0"/>
               </a:rPr>
               <a:t>x</a:t>
             </a:r>
             <a:r>
-              <a:rPr lang="en-US" altLang="ja-JP" sz="2400">
+              <a:rPr lang="en-US" altLang="ja-JP" sz="2400" dirty="0" err="1">
                 <a:latin typeface="Times New Roman" pitchFamily="18" charset="0"/>
               </a:rPr>
               <a:t>,</a:t>
             </a:r>
             <a:r>
-              <a:rPr lang="en-US" altLang="ja-JP" sz="2400" i="1">
+              <a:rPr lang="en-US" altLang="ja-JP" sz="2400" i="1" dirty="0" err="1">
                 <a:latin typeface="Times New Roman" pitchFamily="18" charset="0"/>
               </a:rPr>
               <a:t>y</a:t>
             </a:r>
             <a:r>
-              <a:rPr lang="en-US" altLang="ja-JP" sz="2400">
+              <a:rPr lang="en-US" altLang="ja-JP" sz="2400" dirty="0">
                 <a:latin typeface="Times New Roman" pitchFamily="18" charset="0"/>
               </a:rPr>
               <a:t>) = </a:t>
             </a:r>
             <a:r>
-              <a:rPr lang="en-US" altLang="ja-JP" sz="2400" i="1">
+              <a:rPr lang="en-US" altLang="ja-JP" sz="2400" i="1" dirty="0">
                 <a:latin typeface="Times New Roman" pitchFamily="18" charset="0"/>
               </a:rPr>
               <a:t>u</a:t>
             </a:r>
             <a:r>
-              <a:rPr lang="en-US" altLang="ja-JP" sz="2400" baseline="-25000">
+              <a:rPr lang="en-US" altLang="ja-JP" sz="2400" baseline="-25000" dirty="0">
                 <a:latin typeface="Times New Roman" pitchFamily="18" charset="0"/>
               </a:rPr>
               <a:t>0</a:t>
             </a:r>
             <a:r>
-              <a:rPr lang="en-US" altLang="ja-JP" sz="2400"/>
+              <a:rPr lang="en-US" altLang="ja-JP" sz="2400" dirty="0"/>
               <a:t> </a:t>
             </a:r>
             <a:r>
-              <a:rPr lang="ja-JP" altLang="en-US" sz="2400"/>
+              <a:rPr lang="ja-JP" altLang="en-US" sz="2400" dirty="0"/>
               <a:t>をみたす</a:t>
             </a:r>
             <a:r>
-              <a:rPr lang="en-US" altLang="ja-JP" sz="2400">
+              <a:rPr lang="en-US" altLang="ja-JP" sz="2400" dirty="0">
                 <a:latin typeface="Times New Roman" pitchFamily="18" charset="0"/>
               </a:rPr>
               <a:t>(</a:t>
             </a:r>
             <a:r>
-              <a:rPr lang="en-US" altLang="ja-JP" sz="2400" i="1">
+              <a:rPr lang="en-US" altLang="ja-JP" sz="2400" i="1" dirty="0" err="1">
                 <a:latin typeface="Times New Roman" pitchFamily="18" charset="0"/>
               </a:rPr>
               <a:t>x</a:t>
             </a:r>
             <a:r>
-              <a:rPr lang="en-US" altLang="ja-JP" sz="2400">
+              <a:rPr lang="en-US" altLang="ja-JP" sz="2400" dirty="0" err="1">
                 <a:latin typeface="Times New Roman" pitchFamily="18" charset="0"/>
               </a:rPr>
               <a:t>,</a:t>
             </a:r>
             <a:r>
-              <a:rPr lang="en-US" altLang="ja-JP" sz="2400" i="1">
+              <a:rPr lang="en-US" altLang="ja-JP" sz="2400" i="1" dirty="0" err="1">
                 <a:latin typeface="Times New Roman" pitchFamily="18" charset="0"/>
               </a:rPr>
               <a:t>y</a:t>
             </a:r>
             <a:r>
-              <a:rPr lang="en-US" altLang="ja-JP" sz="2400">
+              <a:rPr lang="en-US" altLang="ja-JP" sz="2400" dirty="0">
                 <a:latin typeface="Times New Roman" pitchFamily="18" charset="0"/>
               </a:rPr>
               <a:t>) </a:t>
             </a:r>
             <a:r>
-              <a:rPr lang="ja-JP" altLang="en-US" sz="2400"/>
+              <a:rPr lang="ja-JP" altLang="en-US" sz="2400" dirty="0"/>
               <a:t>の集合</a:t>
             </a:r>
           </a:p>
@@ -4625,8 +4625,21 @@
               </a:lnSpc>
             </a:pPr>
             <a:r>
-              <a:rPr lang="ja-JP" altLang="en-US" sz="2400"/>
+              <a:rPr lang="ja-JP" altLang="en-US" sz="2400" dirty="0"/>
               <a:t>地図の等高線</a:t>
+            </a:r>
+            <a:endParaRPr lang="en-US" altLang="ja-JP" sz="2400" dirty="0"/>
+          </a:p>
+          <a:p>
+            <a:pPr marL="457200" lvl="1" indent="0">
+              <a:lnSpc>
+                <a:spcPct val="80000"/>
+              </a:lnSpc>
+              <a:buNone/>
+            </a:pPr>
+            <a:r>
+              <a:rPr lang="ja-JP" altLang="en-US" sz="2400" dirty="0"/>
+              <a:t>→それぞれの効用の集まり。</a:t>
             </a:r>
           </a:p>
           <a:p>
@@ -4637,7 +4650,7 @@
               <a:buFont typeface="Wingdings" pitchFamily="2" charset="2"/>
               <a:buNone/>
             </a:pPr>
-            <a:endParaRPr lang="ja-JP" altLang="en-US" sz="2800"/>
+            <a:endParaRPr lang="ja-JP" altLang="en-US" sz="2800" dirty="0"/>
           </a:p>
           <a:p>
             <a:pPr marL="609600" indent="-609600">
@@ -4648,7 +4661,7 @@
               <a:buNone/>
             </a:pPr>
             <a:r>
-              <a:rPr lang="ja-JP" altLang="en-US" sz="2800"/>
+              <a:rPr lang="ja-JP" altLang="en-US" sz="2800" dirty="0"/>
               <a:t>無差別曲線の性質</a:t>
             </a:r>
           </a:p>
@@ -4661,7 +4674,7 @@
               <a:buAutoNum type="arabicPeriod"/>
             </a:pPr>
             <a:r>
-              <a:rPr lang="ja-JP" altLang="en-US" sz="2800"/>
+              <a:rPr lang="ja-JP" altLang="en-US" sz="2800" dirty="0"/>
               <a:t>原点から遠いほど高い効用</a:t>
             </a:r>
           </a:p>
@@ -4674,7 +4687,7 @@
               <a:buAutoNum type="arabicPeriod"/>
             </a:pPr>
             <a:r>
-              <a:rPr lang="ja-JP" altLang="en-US" sz="2800"/>
+              <a:rPr lang="ja-JP" altLang="en-US" sz="2800" dirty="0"/>
               <a:t>無差別曲線は右下がりの曲線</a:t>
             </a:r>
           </a:p>
@@ -4687,7 +4700,7 @@
               <a:buAutoNum type="arabicPeriod"/>
             </a:pPr>
             <a:r>
-              <a:rPr lang="ja-JP" altLang="en-US" sz="2800"/>
+              <a:rPr lang="ja-JP" altLang="en-US" sz="2800" dirty="0"/>
               <a:t>無差別曲線は交わらない</a:t>
             </a:r>
           </a:p>
@@ -4700,7 +4713,7 @@
               <a:buAutoNum type="arabicPeriod"/>
             </a:pPr>
             <a:r>
-              <a:rPr lang="ja-JP" altLang="en-US" sz="2800"/>
+              <a:rPr lang="ja-JP" altLang="en-US" sz="2800" dirty="0"/>
               <a:t>原点に対して凸</a:t>
             </a:r>
           </a:p>
@@ -8026,7 +8039,7 @@
         <p:spPr bwMode="auto">
           <a:xfrm>
             <a:off x="4067175" y="2636838"/>
-            <a:ext cx="4681538" cy="1187450"/>
+            <a:ext cx="4681538" cy="1754326"/>
           </a:xfrm>
           <a:prstGeom prst="rect">
             <a:avLst/>
@@ -8077,38 +8090,62 @@
               </a:spcBef>
             </a:pPr>
             <a:r>
-              <a:rPr lang="en-US" altLang="ja-JP" i="1">
+              <a:rPr lang="ja-JP" altLang="en-US" i="1" dirty="0">
+                <a:latin typeface="Times New Roman" pitchFamily="18" charset="0"/>
+              </a:rPr>
+              <a:t>財</a:t>
+            </a:r>
+            <a:r>
+              <a:rPr lang="en-US" altLang="ja-JP" i="1" dirty="0">
                 <a:latin typeface="Times New Roman" pitchFamily="18" charset="0"/>
               </a:rPr>
               <a:t>x </a:t>
             </a:r>
             <a:r>
-              <a:rPr lang="ja-JP" altLang="en-US">
+              <a:rPr lang="ja-JP" altLang="en-US" dirty="0">
                 <a:latin typeface="Times New Roman" pitchFamily="18" charset="0"/>
               </a:rPr>
               <a:t>の消費を </a:t>
             </a:r>
             <a:r>
-              <a:rPr lang="en-US" altLang="ja-JP">
+              <a:rPr lang="en-US" altLang="ja-JP" dirty="0" err="1">
                 <a:latin typeface="Symbol" pitchFamily="18" charset="2"/>
               </a:rPr>
               <a:t>D</a:t>
             </a:r>
             <a:r>
-              <a:rPr lang="en-US" altLang="ja-JP" i="1">
-                <a:latin typeface="Times New Roman" pitchFamily="18" charset="0"/>
-              </a:rPr>
-              <a:t>x </a:t>
-            </a:r>
-            <a:r>
-              <a:rPr lang="ja-JP" altLang="en-US">
+              <a:rPr lang="en-US" altLang="ja-JP" i="1" dirty="0" err="1">
+                <a:latin typeface="Times New Roman" pitchFamily="18" charset="0"/>
+              </a:rPr>
+              <a:t>x</a:t>
+            </a:r>
+            <a:r>
+              <a:rPr lang="en-US" altLang="ja-JP" i="1" dirty="0">
+                <a:latin typeface="Times New Roman" pitchFamily="18" charset="0"/>
+              </a:rPr>
+              <a:t> </a:t>
+            </a:r>
+            <a:r>
+              <a:rPr lang="ja-JP" altLang="en-US" dirty="0">
                 <a:latin typeface="Times New Roman" pitchFamily="18" charset="0"/>
               </a:rPr>
               <a:t>だけ増やした場合，</a:t>
             </a:r>
             <a:r>
+              <a:rPr lang="ja-JP" altLang="en-US" dirty="0">
+                <a:solidFill>
+                  <a:srgbClr val="FF0000"/>
+                </a:solidFill>
+              </a:rPr>
+              <a:t>同一の効用を保つため</a:t>
+            </a:r>
+            <a:r>
+              <a:rPr lang="ja-JP" altLang="en-US" dirty="0"/>
+              <a:t>には</a:t>
+            </a:r>
+            <a:r>
               <a:rPr lang="ja-JP" altLang="en-US"/>
-              <a:t>同一の効用を保つためには何単位</a:t>
+              <a:t>何単位財</a:t>
             </a:r>
             <a:r>
               <a:rPr lang="en-US" altLang="ja-JP" i="1">
@@ -8122,10 +8159,18 @@
               <a:t> </a:t>
             </a:r>
             <a:r>
-              <a:rPr lang="ja-JP" altLang="en-US"/>
+              <a:rPr lang="ja-JP" altLang="en-US" dirty="0"/>
               <a:t>を犠牲にしてもよいか。</a:t>
             </a:r>
-            <a:endParaRPr lang="ja-JP" altLang="en-US">
+            <a:endParaRPr lang="en-US" altLang="ja-JP" dirty="0"/>
+          </a:p>
+          <a:p>
+            <a:pPr>
+              <a:spcBef>
+                <a:spcPct val="50000"/>
+              </a:spcBef>
+            </a:pPr>
+            <a:endParaRPr lang="ja-JP" altLang="en-US" dirty="0">
               <a:latin typeface="Times New Roman" pitchFamily="18" charset="0"/>
             </a:endParaRPr>
           </a:p>
@@ -20318,8 +20363,8 @@
           </a:p>
         </p:txBody>
       </p:sp>
-      <mc:AlternateContent xmlns:mc="http://schemas.openxmlformats.org/markup-compatibility/2006">
-        <mc:Choice xmlns:a14="http://schemas.microsoft.com/office/drawing/2010/main" Requires="a14">
+      <mc:AlternateContent xmlns:mc="http://schemas.openxmlformats.org/markup-compatibility/2006" xmlns:a14="http://schemas.microsoft.com/office/drawing/2010/main">
+        <mc:Choice Requires="a14">
           <p:sp>
             <p:nvSpPr>
               <p:cNvPr id="3" name="コンテンツ プレースホルダー 2"/>
@@ -20888,7 +20933,7 @@
             </p:txBody>
           </p:sp>
         </mc:Choice>
-        <mc:Fallback>
+        <mc:Fallback xmlns="">
           <p:sp>
             <p:nvSpPr>
               <p:cNvPr id="3" name="コンテンツ プレースホルダー 2"/>
@@ -21184,8 +21229,8 @@
           </a:p>
         </p:txBody>
       </p:sp>
-      <mc:AlternateContent xmlns:mc="http://schemas.openxmlformats.org/markup-compatibility/2006">
-        <mc:Choice xmlns:a14="http://schemas.microsoft.com/office/drawing/2010/main" Requires="a14">
+      <mc:AlternateContent xmlns:mc="http://schemas.openxmlformats.org/markup-compatibility/2006" xmlns:a14="http://schemas.microsoft.com/office/drawing/2010/main">
+        <mc:Choice Requires="a14">
           <p:sp>
             <p:nvSpPr>
               <p:cNvPr id="3" name="コンテンツ プレースホルダー 2"/>
@@ -22121,7 +22166,7 @@
             </p:txBody>
           </p:sp>
         </mc:Choice>
-        <mc:Fallback>
+        <mc:Fallback xmlns="">
           <p:sp>
             <p:nvSpPr>
               <p:cNvPr id="3" name="コンテンツ プレースホルダー 2"/>
